--- a/EPE3.pptx
+++ b/EPE3.pptx
@@ -111,6 +111,11 @@
       </a:defRPr>
     </a:lvl9pPr>
   </p:defaultTextStyle>
+  <p:extLst>
+    <p:ext uri="{EFAFB233-063F-42B5-8137-9DF3F51BA10A}">
+      <p15:sldGuideLst xmlns:p15="http://schemas.microsoft.com/office/powerpoint/2012/main"/>
+    </p:ext>
+  </p:extLst>
 </p:presentation>
 </file>
 
@@ -4525,12 +4530,8 @@
               <a:rPr lang="es-CL" sz="1800" dirty="0"/>
             </a:br>
             <a:r>
-              <a:rPr lang="es-CL" sz="1800" dirty="0" err="1"/>
-              <a:t>Jose</a:t>
-            </a:r>
-            <a:r>
               <a:rPr lang="es-CL" sz="1800" dirty="0"/>
-              <a:t> Inostroza</a:t>
+              <a:t>José Inostroza</a:t>
             </a:r>
             <a:br>
               <a:rPr lang="es-CL" sz="1800" dirty="0"/>
@@ -5322,13 +5323,8 @@
           <a:p>
             <a:r>
               <a:rPr lang="es-CL" dirty="0"/>
-              <a:t>	Elaboración </a:t>
-            </a:r>
-            <a:r>
-              <a:rPr lang="es-CL" dirty="0" err="1"/>
-              <a:t>imagenes</a:t>
-            </a:r>
-            <a:endParaRPr lang="es-CL" dirty="0"/>
+              <a:t>	Elaboración imágenes</a:t>
+            </a:r>
           </a:p>
         </p:txBody>
       </p:sp>
